--- a/FutureTale Hotel Reservation -presentation.pptx
+++ b/FutureTale Hotel Reservation -presentation.pptx
@@ -202,7 +202,7 @@
           <a:p>
             <a:fld id="{7E50A4A6-1C07-4F3D-8229-8F99564A5B20}" type="datetimeFigureOut">
               <a:rPr lang="en-US" smtClean="0"/>
-              <a:t>5/27/2023</a:t>
+              <a:t>3/3/2024</a:t>
             </a:fld>
             <a:endParaRPr lang="en-US"/>
           </a:p>
@@ -513,6 +513,90 @@
           <a:bodyPr/>
           <a:lstStyle/>
           <a:p>
+            <a:endParaRPr lang="en-US" dirty="0"/>
+          </a:p>
+        </p:txBody>
+      </p:sp>
+      <p:sp>
+        <p:nvSpPr>
+          <p:cNvPr id="4" name="Slide Number Placeholder 3"/>
+          <p:cNvSpPr>
+            <a:spLocks noGrp="1"/>
+          </p:cNvSpPr>
+          <p:nvPr>
+            <p:ph type="sldNum" sz="quarter" idx="5"/>
+          </p:nvPr>
+        </p:nvSpPr>
+        <p:spPr/>
+        <p:txBody>
+          <a:bodyPr/>
+          <a:lstStyle/>
+          <a:p>
+            <a:fld id="{C76F8040-5FF1-4170-8B0B-EAA89FA46948}" type="slidenum">
+              <a:rPr lang="en-US" smtClean="0"/>
+              <a:t>1</a:t>
+            </a:fld>
+            <a:endParaRPr lang="en-US"/>
+          </a:p>
+        </p:txBody>
+      </p:sp>
+    </p:spTree>
+    <p:extLst>
+      <p:ext uri="{BB962C8B-B14F-4D97-AF65-F5344CB8AC3E}">
+        <p14:creationId xmlns:p14="http://schemas.microsoft.com/office/powerpoint/2010/main" val="907638564"/>
+      </p:ext>
+    </p:extLst>
+  </p:cSld>
+  <p:clrMapOvr>
+    <a:masterClrMapping/>
+  </p:clrMapOvr>
+</p:notes>
+</file>
+
+<file path=ppt/notesSlides/notesSlide2.xml><?xml version="1.0" encoding="utf-8"?>
+<p:notes xmlns:a="http://schemas.openxmlformats.org/drawingml/2006/main" xmlns:r="http://schemas.openxmlformats.org/officeDocument/2006/relationships" xmlns:p="http://schemas.openxmlformats.org/presentationml/2006/main">
+  <p:cSld>
+    <p:spTree>
+      <p:nvGrpSpPr>
+        <p:cNvPr id="1" name=""/>
+        <p:cNvGrpSpPr/>
+        <p:nvPr/>
+      </p:nvGrpSpPr>
+      <p:grpSpPr>
+        <a:xfrm>
+          <a:off x="0" y="0"/>
+          <a:ext cx="0" cy="0"/>
+          <a:chOff x="0" y="0"/>
+          <a:chExt cx="0" cy="0"/>
+        </a:xfrm>
+      </p:grpSpPr>
+      <p:sp>
+        <p:nvSpPr>
+          <p:cNvPr id="2" name="Slide Image Placeholder 1"/>
+          <p:cNvSpPr>
+            <a:spLocks noGrp="1" noRot="1" noChangeAspect="1"/>
+          </p:cNvSpPr>
+          <p:nvPr>
+            <p:ph type="sldImg"/>
+          </p:nvPr>
+        </p:nvSpPr>
+        <p:spPr/>
+      </p:sp>
+      <p:sp>
+        <p:nvSpPr>
+          <p:cNvPr id="3" name="Notes Placeholder 2"/>
+          <p:cNvSpPr>
+            <a:spLocks noGrp="1"/>
+          </p:cNvSpPr>
+          <p:nvPr>
+            <p:ph type="body" idx="1"/>
+          </p:nvPr>
+        </p:nvSpPr>
+        <p:spPr/>
+        <p:txBody>
+          <a:bodyPr/>
+          <a:lstStyle/>
+          <a:p>
             <a:pPr algn="l"/>
             <a:r>
               <a:rPr lang="en-US" sz="1200" baseline="0" dirty="0"/>
@@ -922,7 +1006,7 @@
 </p:notes>
 </file>
 
-<file path=ppt/notesSlides/notesSlide2.xml><?xml version="1.0" encoding="utf-8"?>
+<file path=ppt/notesSlides/notesSlide3.xml><?xml version="1.0" encoding="utf-8"?>
 <p:notes xmlns:a="http://schemas.openxmlformats.org/drawingml/2006/main" xmlns:r="http://schemas.openxmlformats.org/officeDocument/2006/relationships" xmlns:p="http://schemas.openxmlformats.org/presentationml/2006/main">
   <p:cSld>
     <p:spTree>
@@ -1506,7 +1590,7 @@
           <a:p>
             <a:fld id="{B00C79C2-C3C5-47C2-935D-AA756968ECE1}" type="datetimeFigureOut">
               <a:rPr lang="en-US" smtClean="0"/>
-              <a:t>5/27/2023</a:t>
+              <a:t>3/3/2024</a:t>
             </a:fld>
             <a:endParaRPr lang="en-US"/>
           </a:p>
@@ -1781,7 +1865,7 @@
           <a:p>
             <a:fld id="{B00C79C2-C3C5-47C2-935D-AA756968ECE1}" type="datetimeFigureOut">
               <a:rPr lang="en-US" smtClean="0"/>
-              <a:t>5/27/2023</a:t>
+              <a:t>3/3/2024</a:t>
             </a:fld>
             <a:endParaRPr lang="en-US"/>
           </a:p>
@@ -1975,7 +2059,7 @@
           <a:p>
             <a:fld id="{B00C79C2-C3C5-47C2-935D-AA756968ECE1}" type="datetimeFigureOut">
               <a:rPr lang="en-US" smtClean="0"/>
-              <a:t>5/27/2023</a:t>
+              <a:t>3/3/2024</a:t>
             </a:fld>
             <a:endParaRPr lang="en-US"/>
           </a:p>
@@ -2243,7 +2327,7 @@
           <a:p>
             <a:fld id="{B00C79C2-C3C5-47C2-935D-AA756968ECE1}" type="datetimeFigureOut">
               <a:rPr lang="en-US" smtClean="0"/>
-              <a:t>5/27/2023</a:t>
+              <a:t>3/3/2024</a:t>
             </a:fld>
             <a:endParaRPr lang="en-US"/>
           </a:p>
@@ -2575,7 +2659,7 @@
           <a:p>
             <a:fld id="{B00C79C2-C3C5-47C2-935D-AA756968ECE1}" type="datetimeFigureOut">
               <a:rPr lang="en-US" smtClean="0"/>
-              <a:t>5/27/2023</a:t>
+              <a:t>3/3/2024</a:t>
             </a:fld>
             <a:endParaRPr lang="en-US"/>
           </a:p>
@@ -3185,7 +3269,7 @@
           <a:p>
             <a:fld id="{B00C79C2-C3C5-47C2-935D-AA756968ECE1}" type="datetimeFigureOut">
               <a:rPr lang="en-US" smtClean="0"/>
-              <a:t>5/27/2023</a:t>
+              <a:t>3/3/2024</a:t>
             </a:fld>
             <a:endParaRPr lang="en-US"/>
           </a:p>
@@ -4032,7 +4116,7 @@
           <a:p>
             <a:fld id="{B00C79C2-C3C5-47C2-935D-AA756968ECE1}" type="datetimeFigureOut">
               <a:rPr lang="en-US" smtClean="0"/>
-              <a:t>5/27/2023</a:t>
+              <a:t>3/3/2024</a:t>
             </a:fld>
             <a:endParaRPr lang="en-US"/>
           </a:p>
@@ -4202,7 +4286,7 @@
           <a:p>
             <a:fld id="{B00C79C2-C3C5-47C2-935D-AA756968ECE1}" type="datetimeFigureOut">
               <a:rPr lang="en-US" smtClean="0"/>
-              <a:t>5/27/2023</a:t>
+              <a:t>3/3/2024</a:t>
             </a:fld>
             <a:endParaRPr lang="en-US"/>
           </a:p>
@@ -4382,7 +4466,7 @@
           <a:p>
             <a:fld id="{B00C79C2-C3C5-47C2-935D-AA756968ECE1}" type="datetimeFigureOut">
               <a:rPr lang="en-US" smtClean="0"/>
-              <a:t>5/27/2023</a:t>
+              <a:t>3/3/2024</a:t>
             </a:fld>
             <a:endParaRPr lang="en-US"/>
           </a:p>
@@ -4552,7 +4636,7 @@
           <a:p>
             <a:fld id="{B00C79C2-C3C5-47C2-935D-AA756968ECE1}" type="datetimeFigureOut">
               <a:rPr lang="en-US" smtClean="0"/>
-              <a:t>5/27/2023</a:t>
+              <a:t>3/3/2024</a:t>
             </a:fld>
             <a:endParaRPr lang="en-US"/>
           </a:p>
@@ -4796,7 +4880,7 @@
           <a:p>
             <a:fld id="{B00C79C2-C3C5-47C2-935D-AA756968ECE1}" type="datetimeFigureOut">
               <a:rPr lang="en-US" smtClean="0"/>
-              <a:t>5/27/2023</a:t>
+              <a:t>3/3/2024</a:t>
             </a:fld>
             <a:endParaRPr lang="en-US"/>
           </a:p>
@@ -5088,7 +5172,7 @@
           <a:p>
             <a:fld id="{B00C79C2-C3C5-47C2-935D-AA756968ECE1}" type="datetimeFigureOut">
               <a:rPr lang="en-US" smtClean="0"/>
-              <a:t>5/27/2023</a:t>
+              <a:t>3/3/2024</a:t>
             </a:fld>
             <a:endParaRPr lang="en-US"/>
           </a:p>
@@ -5526,7 +5610,7 @@
           <a:p>
             <a:fld id="{B00C79C2-C3C5-47C2-935D-AA756968ECE1}" type="datetimeFigureOut">
               <a:rPr lang="en-US" smtClean="0"/>
-              <a:t>5/27/2023</a:t>
+              <a:t>3/3/2024</a:t>
             </a:fld>
             <a:endParaRPr lang="en-US"/>
           </a:p>
@@ -5644,7 +5728,7 @@
           <a:p>
             <a:fld id="{B00C79C2-C3C5-47C2-935D-AA756968ECE1}" type="datetimeFigureOut">
               <a:rPr lang="en-US" smtClean="0"/>
-              <a:t>5/27/2023</a:t>
+              <a:t>3/3/2024</a:t>
             </a:fld>
             <a:endParaRPr lang="en-US"/>
           </a:p>
@@ -5739,7 +5823,7 @@
           <a:p>
             <a:fld id="{B00C79C2-C3C5-47C2-935D-AA756968ECE1}" type="datetimeFigureOut">
               <a:rPr lang="en-US" smtClean="0"/>
-              <a:t>5/27/2023</a:t>
+              <a:t>3/3/2024</a:t>
             </a:fld>
             <a:endParaRPr lang="en-US"/>
           </a:p>
@@ -6018,7 +6102,7 @@
           <a:p>
             <a:fld id="{B00C79C2-C3C5-47C2-935D-AA756968ECE1}" type="datetimeFigureOut">
               <a:rPr lang="en-US" smtClean="0"/>
-              <a:t>5/27/2023</a:t>
+              <a:t>3/3/2024</a:t>
             </a:fld>
             <a:endParaRPr lang="en-US"/>
           </a:p>
@@ -6293,7 +6377,7 @@
           <a:p>
             <a:fld id="{B00C79C2-C3C5-47C2-935D-AA756968ECE1}" type="datetimeFigureOut">
               <a:rPr lang="en-US" smtClean="0"/>
-              <a:t>5/27/2023</a:t>
+              <a:t>3/3/2024</a:t>
             </a:fld>
             <a:endParaRPr lang="en-US"/>
           </a:p>
@@ -6722,7 +6806,7 @@
           <a:p>
             <a:fld id="{B00C79C2-C3C5-47C2-935D-AA756968ECE1}" type="datetimeFigureOut">
               <a:rPr lang="en-US" smtClean="0"/>
-              <a:t>5/27/2023</a:t>
+              <a:t>3/3/2024</a:t>
             </a:fld>
             <a:endParaRPr lang="en-US"/>
           </a:p>
@@ -7296,13 +7380,6 @@
               <a:t>Reservation cancellation analysis</a:t>
             </a:r>
           </a:p>
-          <a:p>
-            <a:pPr algn="ctr"/>
-            <a:r>
-              <a:rPr lang="en-US" b="1" dirty="0"/>
-              <a:t>Group 5</a:t>
-            </a:r>
-          </a:p>
         </p:txBody>
       </p:sp>
       <p:pic>
@@ -7320,7 +7397,7 @@
           <p:nvPr/>
         </p:nvPicPr>
         <p:blipFill>
-          <a:blip r:embed="rId2">
+          <a:blip r:embed="rId3">
             <a:extLst>
               <a:ext uri="{28A0092B-C50C-407E-A947-70E740481C1C}">
                 <a14:useLocalDpi xmlns:a14="http://schemas.microsoft.com/office/drawing/2010/main" val="0"/>
@@ -7356,11 +7433,11 @@
           <p:nvPr/>
         </p:nvPicPr>
         <p:blipFill>
-          <a:blip r:embed="rId3">
+          <a:blip r:embed="rId4">
             <a:extLst>
               <a:ext uri="{BEBA8EAE-BF5A-486C-A8C5-ECC9F3942E4B}">
                 <a14:imgProps xmlns:a14="http://schemas.microsoft.com/office/drawing/2010/main">
-                  <a14:imgLayer r:embed="rId4">
+                  <a14:imgLayer r:embed="rId5">
                     <a14:imgEffect>
                       <a14:colorTemperature colorTemp="5300"/>
                     </a14:imgEffect>
